--- a/Project Review (1).pptx
+++ b/Project Review (1).pptx
@@ -5,19 +5,18 @@
     <p:sldMasterId id="2147483765" r:id="rId1"/>
   </p:sldMasterIdLst>
   <p:notesMasterIdLst>
-    <p:notesMasterId r:id="rId12"/>
+    <p:notesMasterId r:id="rId11"/>
   </p:notesMasterIdLst>
   <p:sldIdLst>
     <p:sldId id="257" r:id="rId2"/>
     <p:sldId id="275" r:id="rId3"/>
-    <p:sldId id="286" r:id="rId4"/>
-    <p:sldId id="293" r:id="rId5"/>
-    <p:sldId id="296" r:id="rId6"/>
-    <p:sldId id="297" r:id="rId7"/>
-    <p:sldId id="298" r:id="rId8"/>
-    <p:sldId id="299" r:id="rId9"/>
-    <p:sldId id="300" r:id="rId10"/>
-    <p:sldId id="295" r:id="rId11"/>
+    <p:sldId id="293" r:id="rId4"/>
+    <p:sldId id="296" r:id="rId5"/>
+    <p:sldId id="297" r:id="rId6"/>
+    <p:sldId id="298" r:id="rId7"/>
+    <p:sldId id="299" r:id="rId8"/>
+    <p:sldId id="300" r:id="rId9"/>
+    <p:sldId id="295" r:id="rId10"/>
   </p:sldIdLst>
   <p:sldSz cx="9144000" cy="6858000" type="screen4x3"/>
   <p:notesSz cx="6858000" cy="9144000"/>
@@ -5576,267 +5575,6 @@
 </p:sld>
 </file>
 
-<file path=ppt/slides/slide10.xml><?xml version="1.0" encoding="utf-8"?>
-<p:sld xmlns:a="http://schemas.openxmlformats.org/drawingml/2006/main" xmlns:r="http://schemas.openxmlformats.org/officeDocument/2006/relationships" xmlns:p="http://schemas.openxmlformats.org/presentationml/2006/main">
-  <p:cSld>
-    <p:spTree>
-      <p:nvGrpSpPr>
-        <p:cNvPr id="1" name=""/>
-        <p:cNvGrpSpPr/>
-        <p:nvPr/>
-      </p:nvGrpSpPr>
-      <p:grpSpPr>
-        <a:xfrm>
-          <a:off x="0" y="0"/>
-          <a:ext cx="0" cy="0"/>
-          <a:chOff x="0" y="0"/>
-          <a:chExt cx="0" cy="0"/>
-        </a:xfrm>
-      </p:grpSpPr>
-      <p:sp>
-        <p:nvSpPr>
-          <p:cNvPr id="4" name="Title 3"/>
-          <p:cNvSpPr>
-            <a:spLocks noGrp="1"/>
-          </p:cNvSpPr>
-          <p:nvPr>
-            <p:ph type="title"/>
-          </p:nvPr>
-        </p:nvSpPr>
-        <p:spPr>
-          <a:xfrm>
-            <a:off x="722313" y="4406900"/>
-            <a:ext cx="7772400" cy="774700"/>
-          </a:xfrm>
-        </p:spPr>
-        <p:txBody>
-          <a:bodyPr/>
-          <a:lstStyle/>
-          <a:p>
-            <a:pPr algn="ctr" eaLnBrk="1" hangingPunct="1">
-              <a:defRPr/>
-            </a:pPr>
-            <a:r>
-              <a:rPr lang="en-US" dirty="0">
-                <a:effectLst>
-                  <a:outerShdw blurRad="38100" dist="38100" dir="2700000" algn="tl">
-                    <a:srgbClr val="000000">
-                      <a:alpha val="43137"/>
-                    </a:srgbClr>
-                  </a:outerShdw>
-                </a:effectLst>
-              </a:rPr>
-              <a:t>  Thank you</a:t>
-            </a:r>
-          </a:p>
-        </p:txBody>
-      </p:sp>
-      <p:sp>
-        <p:nvSpPr>
-          <p:cNvPr id="11267" name="Text Placeholder 4"/>
-          <p:cNvSpPr>
-            <a:spLocks noGrp="1"/>
-          </p:cNvSpPr>
-          <p:nvPr>
-            <p:ph type="body" idx="1"/>
-          </p:nvPr>
-        </p:nvSpPr>
-        <p:spPr>
-          <a:xfrm>
-            <a:off x="685800" y="609600"/>
-            <a:ext cx="7772400" cy="1500188"/>
-          </a:xfrm>
-        </p:spPr>
-        <p:txBody>
-          <a:bodyPr/>
-          <a:lstStyle/>
-          <a:p>
-            <a:pPr algn="ctr" eaLnBrk="1" hangingPunct="1"/>
-            <a:r>
-              <a:rPr lang="en-US" sz="5400" dirty="0">
-                <a:effectLst>
-                  <a:outerShdw blurRad="38100" dist="38100" dir="2700000" algn="tl">
-                    <a:srgbClr val="000000">
-                      <a:alpha val="43137"/>
-                    </a:srgbClr>
-                  </a:outerShdw>
-                </a:effectLst>
-              </a:rPr>
-              <a:t> Queries</a:t>
-            </a:r>
-          </a:p>
-        </p:txBody>
-      </p:sp>
-      <p:sp>
-        <p:nvSpPr>
-          <p:cNvPr id="6" name="Rectangle 5"/>
-          <p:cNvSpPr/>
-          <p:nvPr/>
-        </p:nvSpPr>
-        <p:spPr>
-          <a:xfrm>
-            <a:off x="3886200" y="2362200"/>
-            <a:ext cx="1676400" cy="1862048"/>
-          </a:xfrm>
-          <a:prstGeom prst="rect">
-            <a:avLst/>
-          </a:prstGeom>
-          <a:solidFill>
-            <a:schemeClr val="accent3"/>
-          </a:solidFill>
-          <a:ln>
-            <a:solidFill>
-              <a:schemeClr val="tx1"/>
-            </a:solidFill>
-          </a:ln>
-          <a:effectLst/>
-          <a:scene3d>
-            <a:camera prst="orthographicFront"/>
-            <a:lightRig rig="threePt" dir="t"/>
-          </a:scene3d>
-          <a:sp3d>
-            <a:bevelT w="114300" prst="hardEdge"/>
-          </a:sp3d>
-        </p:spPr>
-        <p:txBody>
-          <a:bodyPr>
-            <a:spAutoFit/>
-          </a:bodyPr>
-          <a:lstStyle/>
-          <a:p>
-            <a:pPr algn="ctr" fontAlgn="auto">
-              <a:spcBef>
-                <a:spcPts val="0"/>
-              </a:spcBef>
-              <a:spcAft>
-                <a:spcPts val="0"/>
-              </a:spcAft>
-              <a:defRPr/>
-            </a:pPr>
-            <a:r>
-              <a:rPr lang="en-US" sz="11500" b="1" cap="all" dirty="0">
-                <a:ln w="9000" cmpd="sng">
-                  <a:solidFill>
-                    <a:schemeClr val="accent4">
-                      <a:shade val="50000"/>
-                      <a:satMod val="120000"/>
-                    </a:schemeClr>
-                  </a:solidFill>
-                  <a:prstDash val="solid"/>
-                </a:ln>
-                <a:gradFill>
-                  <a:gsLst>
-                    <a:gs pos="0">
-                      <a:schemeClr val="accent4">
-                        <a:shade val="20000"/>
-                        <a:satMod val="245000"/>
-                      </a:schemeClr>
-                    </a:gs>
-                    <a:gs pos="43000">
-                      <a:schemeClr val="accent4">
-                        <a:satMod val="255000"/>
-                      </a:schemeClr>
-                    </a:gs>
-                    <a:gs pos="48000">
-                      <a:schemeClr val="accent4">
-                        <a:shade val="85000"/>
-                        <a:satMod val="255000"/>
-                      </a:schemeClr>
-                    </a:gs>
-                    <a:gs pos="100000">
-                      <a:schemeClr val="accent4">
-                        <a:shade val="20000"/>
-                        <a:satMod val="245000"/>
-                      </a:schemeClr>
-                    </a:gs>
-                  </a:gsLst>
-                  <a:lin ang="5400000"/>
-                </a:gradFill>
-                <a:effectLst>
-                  <a:outerShdw blurRad="38100" dist="38100" dir="2700000" algn="tl">
-                    <a:srgbClr val="000000">
-                      <a:alpha val="43137"/>
-                    </a:srgbClr>
-                  </a:outerShdw>
-                  <a:reflection blurRad="12700" stA="28000" endPos="45000" dist="1000" dir="5400000" sy="-100000" algn="bl" rotWithShape="0"/>
-                </a:effectLst>
-                <a:latin typeface="+mn-lt"/>
-                <a:cs typeface="+mn-cs"/>
-              </a:rPr>
-              <a:t>?</a:t>
-            </a:r>
-            <a:endParaRPr lang="en-US" sz="11500" b="1" cap="all" dirty="0">
-              <a:ln w="9000" cmpd="sng">
-                <a:solidFill>
-                  <a:schemeClr val="accent4">
-                    <a:shade val="50000"/>
-                    <a:satMod val="120000"/>
-                  </a:schemeClr>
-                </a:solidFill>
-                <a:prstDash val="solid"/>
-              </a:ln>
-              <a:gradFill>
-                <a:gsLst>
-                  <a:gs pos="0">
-                    <a:schemeClr val="accent4">
-                      <a:shade val="20000"/>
-                      <a:satMod val="245000"/>
-                    </a:schemeClr>
-                  </a:gs>
-                  <a:gs pos="43000">
-                    <a:schemeClr val="accent4">
-                      <a:satMod val="255000"/>
-                    </a:schemeClr>
-                  </a:gs>
-                  <a:gs pos="48000">
-                    <a:schemeClr val="accent4">
-                      <a:shade val="85000"/>
-                      <a:satMod val="255000"/>
-                    </a:schemeClr>
-                  </a:gs>
-                  <a:gs pos="100000">
-                    <a:schemeClr val="accent4">
-                      <a:shade val="20000"/>
-                      <a:satMod val="245000"/>
-                    </a:schemeClr>
-                  </a:gs>
-                </a:gsLst>
-                <a:lin ang="5400000"/>
-              </a:gradFill>
-              <a:effectLst>
-                <a:outerShdw blurRad="38100" dist="38100" dir="2700000" algn="tl">
-                  <a:srgbClr val="000000">
-                    <a:alpha val="43137"/>
-                  </a:srgbClr>
-                </a:outerShdw>
-                <a:reflection blurRad="12700" stA="28000" endPos="45000" dist="1000" dir="5400000" sy="-100000" algn="bl" rotWithShape="0"/>
-              </a:effectLst>
-              <a:latin typeface="Jokerman" pitchFamily="82" charset="0"/>
-              <a:cs typeface="+mn-cs"/>
-            </a:endParaRPr>
-          </a:p>
-        </p:txBody>
-      </p:sp>
-    </p:spTree>
-  </p:cSld>
-  <p:clrMapOvr>
-    <a:masterClrMapping/>
-  </p:clrMapOvr>
-  <mc:AlternateContent xmlns:mc="http://schemas.openxmlformats.org/markup-compatibility/2006">
-    <mc:Choice xmlns="" xmlns:p14="http://schemas.microsoft.com/office/powerpoint/2010/main" Requires="p14">
-      <p:transition spd="med">
-        <p14:gallery dir="l"/>
-      </p:transition>
-    </mc:Choice>
-    <mc:Fallback>
-      <p:transition spd="med">
-        <p:fade/>
-      </p:transition>
-    </mc:Fallback>
-  </mc:AlternateContent>
-</p:sld>
-</file>
-
 <file path=ppt/slides/slide2.xml><?xml version="1.0" encoding="utf-8"?>
 <p:sld xmlns:a="http://schemas.openxmlformats.org/drawingml/2006/main" xmlns:r="http://schemas.openxmlformats.org/officeDocument/2006/relationships" xmlns:p="http://schemas.openxmlformats.org/presentationml/2006/main">
   <p:cSld>
@@ -5963,8 +5701,8 @@
         </p:nvSpPr>
         <p:spPr>
           <a:xfrm>
-            <a:off x="611560" y="1428185"/>
-            <a:ext cx="8075240" cy="5304016"/>
+            <a:off x="611560" y="1143000"/>
+            <a:ext cx="8075240" cy="5719514"/>
           </a:xfrm>
           <a:prstGeom prst="rect">
             <a:avLst/>
@@ -6040,8 +5778,33 @@
                 <a:latin typeface="Times New Roman" pitchFamily="18" charset="0"/>
                 <a:cs typeface="Times New Roman" pitchFamily="18" charset="0"/>
               </a:rPr>
-              <a:t>The proposed system enables the registered traveler to find the other travelers of same interest. The trip planner plans the trip and posts pictures. </a:t>
-            </a:r>
+              <a:t>The proposed system enables the registered traveler to find the other travelers of same interest. The trip planner plans the trip </a:t>
+            </a:r>
+            <a:r>
+              <a:rPr lang="en-US" dirty="0" smtClean="0">
+                <a:latin typeface="Times New Roman" pitchFamily="18" charset="0"/>
+                <a:cs typeface="Times New Roman" pitchFamily="18" charset="0"/>
+              </a:rPr>
+              <a:t>,</a:t>
+            </a:r>
+            <a:r>
+              <a:rPr lang="en-US" dirty="0" smtClean="0">
+                <a:latin typeface="Times New Roman" pitchFamily="18" charset="0"/>
+                <a:cs typeface="Times New Roman" pitchFamily="18" charset="0"/>
+              </a:rPr>
+              <a:t>posts pictures</a:t>
+            </a:r>
+            <a:r>
+              <a:rPr lang="en-US" dirty="0" smtClean="0">
+                <a:latin typeface="Times New Roman" pitchFamily="18" charset="0"/>
+                <a:cs typeface="Times New Roman" pitchFamily="18" charset="0"/>
+              </a:rPr>
+              <a:t>, and share the locations.</a:t>
+            </a:r>
+            <a:endParaRPr lang="en-US" dirty="0">
+              <a:latin typeface="Times New Roman" pitchFamily="18" charset="0"/>
+              <a:cs typeface="Times New Roman" pitchFamily="18" charset="0"/>
+            </a:endParaRPr>
           </a:p>
           <a:p>
             <a:pPr marL="285750" marR="0" indent="-285750" algn="just">
@@ -6084,7 +5847,35 @@
                 <a:latin typeface="Times New Roman" pitchFamily="18" charset="0"/>
                 <a:cs typeface="Times New Roman" pitchFamily="18" charset="0"/>
               </a:rPr>
-              <a:t>The application users also suggest places for the other users to travel.</a:t>
+              <a:t>The </a:t>
+            </a:r>
+            <a:r>
+              <a:rPr lang="en-US" dirty="0" smtClean="0">
+                <a:latin typeface="Times New Roman" pitchFamily="18" charset="0"/>
+                <a:cs typeface="Times New Roman" pitchFamily="18" charset="0"/>
+              </a:rPr>
+              <a:t> </a:t>
+            </a:r>
+            <a:r>
+              <a:rPr lang="en-US" dirty="0" smtClean="0">
+                <a:latin typeface="Times New Roman" pitchFamily="18" charset="0"/>
+                <a:cs typeface="Times New Roman" pitchFamily="18" charset="0"/>
+              </a:rPr>
+              <a:t>registered</a:t>
+            </a:r>
+            <a:r>
+              <a:rPr lang="en-US" dirty="0" smtClean="0">
+                <a:latin typeface="Times New Roman" pitchFamily="18" charset="0"/>
+                <a:cs typeface="Times New Roman" pitchFamily="18" charset="0"/>
+              </a:rPr>
+              <a:t> </a:t>
+            </a:r>
+            <a:r>
+              <a:rPr lang="en-US" dirty="0">
+                <a:latin typeface="Times New Roman" pitchFamily="18" charset="0"/>
+                <a:cs typeface="Times New Roman" pitchFamily="18" charset="0"/>
+              </a:rPr>
+              <a:t>users also suggest places for the other users to travel.</a:t>
             </a:r>
             <a:endParaRPr lang="en-US" dirty="0">
               <a:latin typeface="Times New Roman" panose="02020603050405020304" pitchFamily="18" charset="0"/>
@@ -6153,7 +5944,7 @@
       </p:grpSpPr>
       <p:sp>
         <p:nvSpPr>
-          <p:cNvPr id="8194" name="Title 1"/>
+          <p:cNvPr id="2" name="Title 1"/>
           <p:cNvSpPr>
             <a:spLocks noGrp="1"/>
           </p:cNvSpPr>
@@ -6166,25 +5957,16 @@
           <a:bodyPr/>
           <a:lstStyle/>
           <a:p>
-            <a:pPr eaLnBrk="1" hangingPunct="1"/>
-            <a:r>
-              <a:rPr lang="en-US" dirty="0">
-                <a:effectLst>
-                  <a:outerShdw blurRad="38100" dist="38100" dir="2700000" algn="tl">
-                    <a:srgbClr val="000000">
-                      <a:alpha val="43137"/>
-                    </a:srgbClr>
-                  </a:outerShdw>
-                </a:effectLst>
-              </a:rPr>
-              <a:t>Contd.. </a:t>
-            </a:r>
-          </a:p>
-        </p:txBody>
-      </p:sp>
-      <p:sp>
-        <p:nvSpPr>
-          <p:cNvPr id="8195" name="Content Placeholder 2"/>
+            <a:r>
+              <a:rPr lang="en-IN" dirty="0"/>
+              <a:t>                    Requirements   </a:t>
+            </a:r>
+          </a:p>
+        </p:txBody>
+      </p:sp>
+      <p:sp>
+        <p:nvSpPr>
+          <p:cNvPr id="3" name="Content Placeholder 2"/>
           <p:cNvSpPr>
             <a:spLocks noGrp="1"/>
           </p:cNvSpPr>
@@ -6192,107 +5974,182 @@
             <p:ph idx="1"/>
           </p:nvPr>
         </p:nvSpPr>
-        <p:spPr>
-          <a:xfrm>
-            <a:off x="381000" y="1600200"/>
-            <a:ext cx="8458200" cy="4530725"/>
-          </a:xfrm>
-        </p:spPr>
+        <p:spPr/>
         <p:txBody>
           <a:bodyPr/>
           <a:lstStyle/>
           <a:p>
-            <a:pPr marL="0" indent="0" algn="just">
-              <a:buClrTx/>
-              <a:buSzPct val="100000"/>
-              <a:buFont typeface="Wingdings" pitchFamily="2" charset="2"/>
-              <a:buChar char="v"/>
-            </a:pPr>
-            <a:r>
-              <a:rPr lang="en-US" sz="1800" dirty="0">
+            <a:pPr>
+              <a:buNone/>
+            </a:pPr>
+            <a:r>
+              <a:rPr lang="en-IN" dirty="0">
                 <a:latin typeface="Times New Roman" pitchFamily="18" charset="0"/>
                 <a:cs typeface="Times New Roman" pitchFamily="18" charset="0"/>
               </a:rPr>
-              <a:t>The   user  can  add  destinations  and  the app  shows  recommendations. </a:t>
-            </a:r>
-          </a:p>
-          <a:p>
-            <a:pPr marL="0" indent="0" algn="just">
-              <a:buClrTx/>
-              <a:buSzPct val="100000"/>
-              <a:buNone/>
-            </a:pPr>
-            <a:endParaRPr lang="en-US" sz="1800" dirty="0">
+              <a:t> Software Requirements</a:t>
+            </a:r>
+          </a:p>
+          <a:p>
+            <a:pPr>
+              <a:buClr>
+                <a:schemeClr val="tx1"/>
+              </a:buClr>
+              <a:buSzPct val="80000"/>
+              <a:buFont typeface="Wingdings" pitchFamily="2" charset="2"/>
+              <a:buChar char="v"/>
+            </a:pPr>
+            <a:r>
+              <a:rPr lang="en-IN" sz="1800" dirty="0">
+                <a:latin typeface="Times New Roman" pitchFamily="18" charset="0"/>
+                <a:cs typeface="Times New Roman" pitchFamily="18" charset="0"/>
+              </a:rPr>
+              <a:t> HTML</a:t>
+            </a:r>
+          </a:p>
+          <a:p>
+            <a:pPr>
+              <a:buClr>
+                <a:schemeClr val="tx1"/>
+              </a:buClr>
+              <a:buSzPct val="80000"/>
+              <a:buFont typeface="Wingdings" pitchFamily="2" charset="2"/>
+              <a:buChar char="v"/>
+            </a:pPr>
+            <a:r>
+              <a:rPr lang="en-IN" sz="1800" dirty="0">
+                <a:latin typeface="Times New Roman" pitchFamily="18" charset="0"/>
+                <a:cs typeface="Times New Roman" pitchFamily="18" charset="0"/>
+              </a:rPr>
+              <a:t>CSS</a:t>
+            </a:r>
+          </a:p>
+          <a:p>
+            <a:pPr>
+              <a:buClr>
+                <a:schemeClr val="tx1"/>
+              </a:buClr>
+              <a:buSzPct val="80000"/>
+              <a:buFont typeface="Wingdings" pitchFamily="2" charset="2"/>
+              <a:buChar char="v"/>
+            </a:pPr>
+            <a:r>
+              <a:rPr lang="en-IN" sz="1800" dirty="0">
+                <a:latin typeface="Times New Roman" pitchFamily="18" charset="0"/>
+                <a:cs typeface="Times New Roman" pitchFamily="18" charset="0"/>
+              </a:rPr>
+              <a:t>JAVA </a:t>
+            </a:r>
+          </a:p>
+          <a:p>
+            <a:pPr>
+              <a:buClr>
+                <a:schemeClr val="tx1"/>
+              </a:buClr>
+              <a:buSzPct val="80000"/>
+              <a:buFont typeface="Wingdings" pitchFamily="2" charset="2"/>
+              <a:buChar char="v"/>
+            </a:pPr>
+            <a:r>
+              <a:rPr lang="en-IN" sz="1800" dirty="0">
+                <a:latin typeface="Times New Roman" pitchFamily="18" charset="0"/>
+                <a:cs typeface="Times New Roman" pitchFamily="18" charset="0"/>
+              </a:rPr>
+              <a:t>SQLITE </a:t>
+            </a:r>
+            <a:r>
+              <a:rPr lang="en-IN" sz="1800" dirty="0" smtClean="0">
+                <a:latin typeface="Times New Roman" pitchFamily="18" charset="0"/>
+                <a:cs typeface="Times New Roman" pitchFamily="18" charset="0"/>
+              </a:rPr>
+              <a:t>DATABASE</a:t>
+            </a:r>
+          </a:p>
+          <a:p>
+            <a:pPr>
+              <a:buClr>
+                <a:schemeClr val="tx1"/>
+              </a:buClr>
+              <a:buSzPct val="80000"/>
+              <a:buFont typeface="Wingdings" pitchFamily="2" charset="2"/>
+              <a:buChar char="v"/>
+            </a:pPr>
+            <a:r>
+              <a:rPr lang="en-IN" sz="1800" dirty="0" smtClean="0">
+                <a:latin typeface="Times New Roman" pitchFamily="18" charset="0"/>
+                <a:cs typeface="Times New Roman" pitchFamily="18" charset="0"/>
+              </a:rPr>
+              <a:t>ANDROID STUDIO</a:t>
+            </a:r>
+            <a:endParaRPr lang="en-IN" sz="1800" dirty="0" smtClean="0">
               <a:latin typeface="Times New Roman" pitchFamily="18" charset="0"/>
               <a:cs typeface="Times New Roman" pitchFamily="18" charset="0"/>
             </a:endParaRPr>
           </a:p>
           <a:p>
-            <a:pPr marL="0" indent="0" algn="just">
-              <a:buClrTx/>
-              <a:buSzPct val="100000"/>
-              <a:buFont typeface="Wingdings" pitchFamily="2" charset="2"/>
-              <a:buChar char="v"/>
-            </a:pPr>
-            <a:r>
-              <a:rPr lang="en-US" sz="1800" dirty="0">
+            <a:pPr>
+              <a:buClr>
+                <a:schemeClr val="tx1"/>
+              </a:buClr>
+              <a:buSzPct val="80000"/>
+              <a:buNone/>
+            </a:pPr>
+            <a:r>
+              <a:rPr lang="en-IN" dirty="0" smtClean="0">
                 <a:latin typeface="Times New Roman" pitchFamily="18" charset="0"/>
                 <a:cs typeface="Times New Roman" pitchFamily="18" charset="0"/>
               </a:rPr>
-              <a:t>The  user  can  add  buddies  and share  locations  through  the  app.</a:t>
-            </a:r>
-          </a:p>
-          <a:p>
-            <a:pPr marL="0" indent="0" algn="just">
-              <a:buClrTx/>
-              <a:buSzPct val="100000"/>
-              <a:buNone/>
-            </a:pPr>
-            <a:r>
-              <a:rPr lang="en-US" sz="1800" dirty="0">
+              <a:t>  </a:t>
+            </a:r>
+            <a:r>
+              <a:rPr lang="en-IN" dirty="0">
                 <a:latin typeface="Times New Roman" pitchFamily="18" charset="0"/>
                 <a:cs typeface="Times New Roman" pitchFamily="18" charset="0"/>
               </a:rPr>
-              <a:t> </a:t>
-            </a:r>
-          </a:p>
-          <a:p>
-            <a:pPr marL="0" indent="0" algn="just">
-              <a:buClrTx/>
-              <a:buSzPct val="100000"/>
+              <a:t>Hardware Requirements</a:t>
+            </a:r>
+          </a:p>
+          <a:p>
+            <a:pPr>
+              <a:buClr>
+                <a:schemeClr val="tx1"/>
+              </a:buClr>
+              <a:buSzPct val="80000"/>
               <a:buFont typeface="Wingdings" pitchFamily="2" charset="2"/>
               <a:buChar char="v"/>
             </a:pPr>
             <a:r>
-              <a:rPr lang="en-US" sz="1800" dirty="0">
+              <a:rPr lang="en-IN" sz="2000" dirty="0">
                 <a:latin typeface="Times New Roman" pitchFamily="18" charset="0"/>
                 <a:cs typeface="Times New Roman" pitchFamily="18" charset="0"/>
               </a:rPr>
-              <a:t>It  also notifies  the  user  about  the  information. The  user  can  create  and  plan  the</a:t>
-            </a:r>
-          </a:p>
-          <a:p>
-            <a:pPr marL="0" indent="0" algn="just">
-              <a:buClrTx/>
-              <a:buSzPct val="100000"/>
-              <a:buNone/>
-            </a:pPr>
-            <a:r>
-              <a:rPr lang="en-US" sz="1800" dirty="0">
+              <a:t>i3 processor</a:t>
+            </a:r>
+          </a:p>
+          <a:p>
+            <a:pPr>
+              <a:buClr>
+                <a:schemeClr val="tx1"/>
+              </a:buClr>
+              <a:buSzPct val="80000"/>
+              <a:buFont typeface="Wingdings" pitchFamily="2" charset="2"/>
+              <a:buChar char="v"/>
+            </a:pPr>
+            <a:r>
+              <a:rPr lang="en-IN" sz="2000" dirty="0">
                 <a:latin typeface="Times New Roman" pitchFamily="18" charset="0"/>
                 <a:cs typeface="Times New Roman" pitchFamily="18" charset="0"/>
               </a:rPr>
-              <a:t>    entire   trip.</a:t>
-            </a:r>
-          </a:p>
-          <a:p>
-            <a:pPr marL="0" indent="0" algn="just" eaLnBrk="1" hangingPunct="1">
-              <a:buClrTx/>
-              <a:buSzPct val="100000"/>
-              <a:buFont typeface="Wingdings" pitchFamily="2" charset="2"/>
-              <a:buChar char="v"/>
-            </a:pPr>
-            <a:endParaRPr lang="en-IN" sz="1800" dirty="0">
+              <a:t>Operating System : Windows </a:t>
+            </a:r>
+            <a:r>
+              <a:rPr lang="en-IN" sz="2000" dirty="0" smtClean="0">
+                <a:latin typeface="Times New Roman" pitchFamily="18" charset="0"/>
+                <a:cs typeface="Times New Roman" pitchFamily="18" charset="0"/>
+              </a:rPr>
+              <a:t>8.</a:t>
+            </a:r>
+            <a:endParaRPr lang="en-IN" sz="2000" dirty="0">
               <a:latin typeface="Times New Roman" pitchFamily="18" charset="0"/>
               <a:cs typeface="Times New Roman" pitchFamily="18" charset="0"/>
             </a:endParaRPr>
@@ -6352,53 +6209,105 @@
           <a:lstStyle/>
           <a:p>
             <a:r>
-              <a:rPr lang="en-IN" dirty="0"/>
-              <a:t>                    Requirements   </a:t>
-            </a:r>
-          </a:p>
-        </p:txBody>
-      </p:sp>
-      <p:sp>
-        <p:nvSpPr>
-          <p:cNvPr id="3" name="Content Placeholder 2"/>
-          <p:cNvSpPr>
-            <a:spLocks noGrp="1"/>
-          </p:cNvSpPr>
-          <p:nvPr>
-            <p:ph idx="1"/>
-          </p:nvPr>
-        </p:nvSpPr>
-        <p:spPr/>
-        <p:txBody>
-          <a:bodyPr/>
-          <a:lstStyle/>
-          <a:p>
-            <a:pPr>
-              <a:buNone/>
-            </a:pPr>
-            <a:r>
-              <a:rPr lang="en-IN" dirty="0">
+              <a:rPr lang="en-US" sz="3200" dirty="0">
                 <a:latin typeface="Times New Roman" pitchFamily="18" charset="0"/>
                 <a:cs typeface="Times New Roman" pitchFamily="18" charset="0"/>
               </a:rPr>
-              <a:t> Software Requirements</a:t>
-            </a:r>
-          </a:p>
+              <a:t>                         </a:t>
+            </a:r>
+            <a:r>
+              <a:rPr lang="en-US" sz="4000" dirty="0">
+                <a:cs typeface="Times New Roman" pitchFamily="18" charset="0"/>
+              </a:rPr>
+              <a:t>Existing</a:t>
+            </a:r>
+            <a:r>
+              <a:rPr lang="en-US" sz="4000" dirty="0">
+                <a:latin typeface="Book Antiqua" pitchFamily="18" charset="0"/>
+                <a:cs typeface="Times New Roman" pitchFamily="18" charset="0"/>
+              </a:rPr>
+              <a:t> </a:t>
+            </a:r>
+            <a:r>
+              <a:rPr lang="en-US" sz="4000" dirty="0" smtClean="0">
+                <a:cs typeface="Times New Roman" pitchFamily="18" charset="0"/>
+              </a:rPr>
+              <a:t>System</a:t>
+            </a:r>
+            <a:r>
+              <a:rPr lang="en-US" sz="3200" dirty="0">
+                <a:latin typeface="Times New Roman" pitchFamily="18" charset="0"/>
+                <a:cs typeface="Times New Roman" pitchFamily="18" charset="0"/>
+              </a:rPr>
+              <a:t/>
+            </a:r>
+            <a:br>
+              <a:rPr lang="en-US" sz="3200" dirty="0">
+                <a:latin typeface="Times New Roman" pitchFamily="18" charset="0"/>
+                <a:cs typeface="Times New Roman" pitchFamily="18" charset="0"/>
+              </a:rPr>
+            </a:br>
+            <a:r>
+              <a:rPr lang="en-US" sz="3200" dirty="0">
+                <a:latin typeface="Times New Roman" pitchFamily="18" charset="0"/>
+                <a:cs typeface="Times New Roman" pitchFamily="18" charset="0"/>
+              </a:rPr>
+              <a:t/>
+            </a:r>
+            <a:br>
+              <a:rPr lang="en-US" sz="3200" dirty="0">
+                <a:latin typeface="Times New Roman" pitchFamily="18" charset="0"/>
+                <a:cs typeface="Times New Roman" pitchFamily="18" charset="0"/>
+              </a:rPr>
+            </a:br>
+            <a:endParaRPr lang="en-US" sz="3200" dirty="0">
+              <a:latin typeface="Times New Roman" pitchFamily="18" charset="0"/>
+              <a:cs typeface="Times New Roman" pitchFamily="18" charset="0"/>
+            </a:endParaRPr>
+          </a:p>
+        </p:txBody>
+      </p:sp>
+      <p:sp>
+        <p:nvSpPr>
+          <p:cNvPr id="3" name="Content Placeholder 2"/>
+          <p:cNvSpPr>
+            <a:spLocks noGrp="1"/>
+          </p:cNvSpPr>
+          <p:nvPr>
+            <p:ph idx="1"/>
+          </p:nvPr>
+        </p:nvSpPr>
+        <p:spPr>
+          <a:xfrm>
+            <a:off x="457200" y="1371600"/>
+            <a:ext cx="8229600" cy="4759325"/>
+          </a:xfrm>
+        </p:spPr>
+        <p:txBody>
+          <a:bodyPr/>
+          <a:lstStyle/>
           <a:p>
             <a:pPr>
               <a:buClr>
                 <a:schemeClr val="tx1"/>
               </a:buClr>
-              <a:buSzPct val="80000"/>
+              <a:buSzPct val="100000"/>
               <a:buFont typeface="Wingdings" pitchFamily="2" charset="2"/>
               <a:buChar char="v"/>
             </a:pPr>
             <a:r>
-              <a:rPr lang="en-IN" sz="1800" dirty="0">
-                <a:latin typeface="Times New Roman" pitchFamily="18" charset="0"/>
-                <a:cs typeface="Times New Roman" pitchFamily="18" charset="0"/>
+              <a:rPr lang="en-US" sz="2000" dirty="0" smtClean="0">
+                <a:latin typeface="Times New Roman" panose="02020603050405020304" pitchFamily="18" charset="0"/>
+                <a:cs typeface="Times New Roman" panose="02020603050405020304" pitchFamily="18" charset="0"/>
               </a:rPr>
-              <a:t> HTML</a:t>
+              <a:t>Desi traveler, </a:t>
+            </a:r>
+            <a:r>
+              <a:rPr lang="en-US" sz="2000" dirty="0" smtClean="0">
+                <a:latin typeface="Times New Roman" panose="02020603050405020304" pitchFamily="18" charset="0"/>
+                <a:cs typeface="Times New Roman" panose="02020603050405020304" pitchFamily="18" charset="0"/>
+              </a:rPr>
+              <a:t>this travel blog is  just a page in  social media  like </a:t>
             </a:r>
           </a:p>
           <a:p>
@@ -6406,16 +6315,29 @@
               <a:buClr>
                 <a:schemeClr val="tx1"/>
               </a:buClr>
-              <a:buSzPct val="80000"/>
-              <a:buFont typeface="Wingdings" pitchFamily="2" charset="2"/>
-              <a:buChar char="v"/>
-            </a:pPr>
-            <a:r>
-              <a:rPr lang="en-IN" sz="1800" dirty="0">
-                <a:latin typeface="Times New Roman" pitchFamily="18" charset="0"/>
-                <a:cs typeface="Times New Roman" pitchFamily="18" charset="0"/>
+              <a:buSzPct val="100000"/>
+              <a:buNone/>
+            </a:pPr>
+            <a:r>
+              <a:rPr lang="en-US" sz="2000" dirty="0" smtClean="0">
+                <a:latin typeface="Times New Roman" panose="02020603050405020304" pitchFamily="18" charset="0"/>
+                <a:cs typeface="Times New Roman" panose="02020603050405020304" pitchFamily="18" charset="0"/>
               </a:rPr>
-              <a:t>CSS</a:t>
+              <a:t> </a:t>
+            </a:r>
+            <a:r>
+              <a:rPr lang="en-US" sz="2000" dirty="0" smtClean="0">
+                <a:latin typeface="Times New Roman" panose="02020603050405020304" pitchFamily="18" charset="0"/>
+                <a:cs typeface="Times New Roman" panose="02020603050405020304" pitchFamily="18" charset="0"/>
+              </a:rPr>
+              <a:t>     face book </a:t>
+            </a:r>
+            <a:r>
+              <a:rPr lang="en-US" sz="2000" dirty="0" smtClean="0">
+                <a:latin typeface="Times New Roman" panose="02020603050405020304" pitchFamily="18" charset="0"/>
+                <a:cs typeface="Times New Roman" panose="02020603050405020304" pitchFamily="18" charset="0"/>
+              </a:rPr>
+              <a:t>, instagram , twitter and so on.</a:t>
             </a:r>
           </a:p>
           <a:p>
@@ -6423,16 +6345,16 @@
               <a:buClr>
                 <a:schemeClr val="tx1"/>
               </a:buClr>
-              <a:buSzPct val="80000"/>
+              <a:buSzPct val="100000"/>
               <a:buFont typeface="Wingdings" pitchFamily="2" charset="2"/>
               <a:buChar char="v"/>
             </a:pPr>
             <a:r>
-              <a:rPr lang="en-IN" sz="1800" dirty="0">
-                <a:latin typeface="Times New Roman" pitchFamily="18" charset="0"/>
-                <a:cs typeface="Times New Roman" pitchFamily="18" charset="0"/>
+              <a:rPr lang="en-US" sz="2000" dirty="0" smtClean="0">
+                <a:latin typeface="Times New Roman" panose="02020603050405020304" pitchFamily="18" charset="0"/>
+                <a:cs typeface="Times New Roman" panose="02020603050405020304" pitchFamily="18" charset="0"/>
               </a:rPr>
-              <a:t>JAVA </a:t>
+              <a:t>It is a family travel blog in  India , with stories about people, places,</a:t>
             </a:r>
           </a:p>
           <a:p>
@@ -6440,16 +6362,15 @@
               <a:buClr>
                 <a:schemeClr val="tx1"/>
               </a:buClr>
-              <a:buSzPct val="80000"/>
-              <a:buFont typeface="Wingdings" pitchFamily="2" charset="2"/>
-              <a:buChar char="v"/>
-            </a:pPr>
-            <a:r>
-              <a:rPr lang="en-IN" sz="1800" dirty="0">
-                <a:latin typeface="Times New Roman" pitchFamily="18" charset="0"/>
-                <a:cs typeface="Times New Roman" pitchFamily="18" charset="0"/>
+              <a:buSzPct val="100000"/>
+              <a:buNone/>
+            </a:pPr>
+            <a:r>
+              <a:rPr lang="en-US" sz="2000" dirty="0" smtClean="0">
+                <a:latin typeface="Times New Roman" panose="02020603050405020304" pitchFamily="18" charset="0"/>
+                <a:cs typeface="Times New Roman" panose="02020603050405020304" pitchFamily="18" charset="0"/>
               </a:rPr>
-              <a:t>SQLITE DATABASE</a:t>
+              <a:t>     forts, Holy temples, unholy god men.</a:t>
             </a:r>
           </a:p>
           <a:p>
@@ -6457,60 +6378,39 @@
               <a:buClr>
                 <a:schemeClr val="tx1"/>
               </a:buClr>
-              <a:buSzPct val="80000"/>
+              <a:buSzPct val="100000"/>
               <a:buNone/>
             </a:pPr>
-            <a:r>
-              <a:rPr lang="en-IN" dirty="0">
-                <a:latin typeface="Times New Roman" pitchFamily="18" charset="0"/>
-                <a:cs typeface="Times New Roman" pitchFamily="18" charset="0"/>
-              </a:rPr>
-              <a:t>  Hardware Requirements</a:t>
-            </a:r>
+            <a:endParaRPr lang="en-US" sz="2000" dirty="0" smtClean="0">
+              <a:latin typeface="Times New Roman" panose="02020603050405020304" pitchFamily="18" charset="0"/>
+              <a:cs typeface="Times New Roman" panose="02020603050405020304" pitchFamily="18" charset="0"/>
+            </a:endParaRPr>
+          </a:p>
+          <a:p>
+            <a:pPr marL="457200" indent="-457200">
+              <a:buClr>
+                <a:schemeClr val="tx1"/>
+              </a:buClr>
+              <a:buSzPct val="100000"/>
+              <a:buFont typeface="Wingdings" pitchFamily="2" charset="2"/>
+              <a:buChar char="v"/>
+            </a:pPr>
+            <a:endParaRPr lang="en-US" sz="2000" dirty="0" smtClean="0">
+              <a:latin typeface="Times New Roman" panose="02020603050405020304" pitchFamily="18" charset="0"/>
+              <a:cs typeface="Times New Roman" panose="02020603050405020304" pitchFamily="18" charset="0"/>
+            </a:endParaRPr>
           </a:p>
           <a:p>
             <a:pPr>
               <a:buClr>
                 <a:schemeClr val="tx1"/>
               </a:buClr>
-              <a:buSzPct val="80000"/>
-              <a:buFont typeface="Wingdings" pitchFamily="2" charset="2"/>
-              <a:buChar char="v"/>
-            </a:pPr>
-            <a:r>
-              <a:rPr lang="en-IN" sz="2000" dirty="0">
-                <a:latin typeface="Times New Roman" pitchFamily="18" charset="0"/>
-                <a:cs typeface="Times New Roman" pitchFamily="18" charset="0"/>
-              </a:rPr>
-              <a:t>i3 processor</a:t>
-            </a:r>
-          </a:p>
-          <a:p>
-            <a:pPr>
-              <a:buClr>
-                <a:schemeClr val="tx1"/>
-              </a:buClr>
-              <a:buSzPct val="80000"/>
-              <a:buFont typeface="Wingdings" pitchFamily="2" charset="2"/>
-              <a:buChar char="v"/>
-            </a:pPr>
-            <a:r>
-              <a:rPr lang="en-IN" sz="2000" dirty="0">
-                <a:latin typeface="Times New Roman" pitchFamily="18" charset="0"/>
-                <a:cs typeface="Times New Roman" pitchFamily="18" charset="0"/>
-              </a:rPr>
-              <a:t>Operating System : Windows 8 </a:t>
-            </a:r>
-            <a:r>
-              <a:rPr lang="en-IN" sz="2000">
-                <a:latin typeface="Times New Roman" pitchFamily="18" charset="0"/>
-                <a:cs typeface="Times New Roman" pitchFamily="18" charset="0"/>
-              </a:rPr>
-              <a:t>and above</a:t>
-            </a:r>
-            <a:endParaRPr lang="en-IN" sz="2000" dirty="0">
-              <a:latin typeface="Times New Roman" pitchFamily="18" charset="0"/>
-              <a:cs typeface="Times New Roman" pitchFamily="18" charset="0"/>
+              <a:buSzPct val="100000"/>
+              <a:buNone/>
+            </a:pPr>
+            <a:endParaRPr lang="en-US" sz="2000" dirty="0">
+              <a:latin typeface="Times New Roman" panose="02020603050405020304" pitchFamily="18" charset="0"/>
+              <a:cs typeface="Times New Roman" panose="02020603050405020304" pitchFamily="18" charset="0"/>
             </a:endParaRPr>
           </a:p>
         </p:txBody>
@@ -6568,61 +6468,14 @@
           <a:lstStyle/>
           <a:p>
             <a:r>
-              <a:rPr lang="en-US" sz="3200" dirty="0">
-                <a:latin typeface="Times New Roman" pitchFamily="18" charset="0"/>
-                <a:cs typeface="Times New Roman" pitchFamily="18" charset="0"/>
-              </a:rPr>
-              <a:t>                         </a:t>
-            </a:r>
-            <a:r>
-              <a:rPr lang="en-US" sz="4000" dirty="0">
-                <a:cs typeface="Times New Roman" pitchFamily="18" charset="0"/>
-              </a:rPr>
-              <a:t>Existing</a:t>
-            </a:r>
-            <a:r>
-              <a:rPr lang="en-US" sz="4000" dirty="0">
-                <a:latin typeface="Book Antiqua" pitchFamily="18" charset="0"/>
-                <a:cs typeface="Times New Roman" pitchFamily="18" charset="0"/>
-              </a:rPr>
-              <a:t> </a:t>
-            </a:r>
-            <a:r>
-              <a:rPr lang="en-US" sz="4000" dirty="0" smtClean="0">
-                <a:cs typeface="Times New Roman" pitchFamily="18" charset="0"/>
-              </a:rPr>
+              <a:rPr lang="en-US" dirty="0"/>
+              <a:t>                Proposed </a:t>
+            </a:r>
+            <a:r>
+              <a:rPr lang="en-US" dirty="0" smtClean="0"/>
               <a:t>System</a:t>
             </a:r>
-            <a:r>
-              <a:rPr lang="en-US" sz="3200" dirty="0">
-                <a:latin typeface="Times New Roman" pitchFamily="18" charset="0"/>
-                <a:cs typeface="Times New Roman" pitchFamily="18" charset="0"/>
-              </a:rPr>
-              <a:t/>
-            </a:r>
-            <a:br>
-              <a:rPr lang="en-US" sz="3200" dirty="0">
-                <a:latin typeface="Times New Roman" pitchFamily="18" charset="0"/>
-                <a:cs typeface="Times New Roman" pitchFamily="18" charset="0"/>
-              </a:rPr>
-            </a:br>
-            <a:r>
-              <a:rPr lang="en-US" sz="3200" dirty="0">
-                <a:latin typeface="Times New Roman" pitchFamily="18" charset="0"/>
-                <a:cs typeface="Times New Roman" pitchFamily="18" charset="0"/>
-              </a:rPr>
-              <a:t/>
-            </a:r>
-            <a:br>
-              <a:rPr lang="en-US" sz="3200" dirty="0">
-                <a:latin typeface="Times New Roman" pitchFamily="18" charset="0"/>
-                <a:cs typeface="Times New Roman" pitchFamily="18" charset="0"/>
-              </a:rPr>
-            </a:br>
-            <a:endParaRPr lang="en-US" sz="3200" dirty="0">
-              <a:latin typeface="Times New Roman" pitchFamily="18" charset="0"/>
-              <a:cs typeface="Times New Roman" pitchFamily="18" charset="0"/>
-            </a:endParaRPr>
+            <a:endParaRPr lang="en-US" dirty="0"/>
           </a:p>
         </p:txBody>
       </p:sp>
@@ -6636,17 +6489,12 @@
             <p:ph idx="1"/>
           </p:nvPr>
         </p:nvSpPr>
-        <p:spPr>
-          <a:xfrm>
-            <a:off x="457200" y="1371600"/>
-            <a:ext cx="8229600" cy="4759325"/>
-          </a:xfrm>
-        </p:spPr>
+        <p:spPr/>
         <p:txBody>
           <a:bodyPr/>
           <a:lstStyle/>
           <a:p>
-            <a:pPr>
+            <a:pPr algn="just">
               <a:buClr>
                 <a:schemeClr val="tx1"/>
               </a:buClr>
@@ -6655,19 +6503,203 @@
               <a:buChar char="v"/>
             </a:pPr>
             <a:r>
+              <a:rPr lang="en-US" sz="2000" dirty="0">
+                <a:latin typeface="Times New Roman" pitchFamily="18" charset="0"/>
+                <a:cs typeface="Times New Roman" pitchFamily="18" charset="0"/>
+              </a:rPr>
+              <a:t>The  application  is  designed  for  the travelers  to find  other travelers</a:t>
+            </a:r>
+          </a:p>
+          <a:p>
+            <a:pPr algn="just">
+              <a:buClr>
+                <a:schemeClr val="tx1"/>
+              </a:buClr>
+              <a:buSzPct val="100000"/>
+              <a:buNone/>
+            </a:pPr>
+            <a:r>
+              <a:rPr lang="en-US" sz="2000" dirty="0">
+                <a:latin typeface="Times New Roman" pitchFamily="18" charset="0"/>
+                <a:cs typeface="Times New Roman" pitchFamily="18" charset="0"/>
+              </a:rPr>
+              <a:t>      who  are  willing  to  travel  to the same  destinations. </a:t>
+            </a:r>
+          </a:p>
+          <a:p>
+            <a:pPr algn="just">
+              <a:buClr>
+                <a:schemeClr val="tx1"/>
+              </a:buClr>
+              <a:buSzPct val="100000"/>
+              <a:buFont typeface="Wingdings" pitchFamily="2" charset="2"/>
+              <a:buChar char="v"/>
+            </a:pPr>
+            <a:r>
+              <a:rPr lang="en-US" sz="2000" dirty="0">
+                <a:latin typeface="Times New Roman" pitchFamily="18" charset="0"/>
+                <a:cs typeface="Times New Roman" pitchFamily="18" charset="0"/>
+              </a:rPr>
+              <a:t>The  application  acts as a platform where the interested group of travelers</a:t>
+            </a:r>
+          </a:p>
+          <a:p>
+            <a:pPr algn="just">
+              <a:buClr>
+                <a:schemeClr val="tx1"/>
+              </a:buClr>
+              <a:buSzPct val="100000"/>
+              <a:buNone/>
+            </a:pPr>
+            <a:r>
+              <a:rPr lang="en-US" sz="2000" dirty="0">
+                <a:latin typeface="Times New Roman" pitchFamily="18" charset="0"/>
+                <a:cs typeface="Times New Roman" pitchFamily="18" charset="0"/>
+              </a:rPr>
+              <a:t>      can communicate and coordinate while planning the trip and also during</a:t>
+            </a:r>
+          </a:p>
+          <a:p>
+            <a:pPr algn="just">
+              <a:buClr>
+                <a:schemeClr val="tx1"/>
+              </a:buClr>
+              <a:buSzPct val="100000"/>
+              <a:buNone/>
+            </a:pPr>
+            <a:r>
+              <a:rPr lang="en-US" sz="2000" dirty="0">
+                <a:latin typeface="Times New Roman" pitchFamily="18" charset="0"/>
+                <a:cs typeface="Times New Roman" pitchFamily="18" charset="0"/>
+              </a:rPr>
+              <a:t>      the trip.</a:t>
+            </a:r>
+          </a:p>
+          <a:p>
+            <a:pPr algn="just">
+              <a:buClr>
+                <a:schemeClr val="tx1"/>
+              </a:buClr>
+              <a:buSzPct val="100000"/>
+              <a:buFont typeface="Wingdings" panose="05000000000000000000" pitchFamily="2" charset="2"/>
+              <a:buChar char="v"/>
+            </a:pPr>
+            <a:r>
+              <a:rPr lang="en-US" sz="2000" dirty="0">
+                <a:latin typeface="Times New Roman" pitchFamily="18" charset="0"/>
+                <a:cs typeface="Times New Roman" pitchFamily="18" charset="0"/>
+              </a:rPr>
+              <a:t>Based on existing system we are </a:t>
+            </a:r>
+            <a:r>
               <a:rPr lang="en-US" sz="2000" dirty="0" smtClean="0">
-                <a:latin typeface="Times New Roman" panose="02020603050405020304" pitchFamily="18" charset="0"/>
-                <a:cs typeface="Times New Roman" panose="02020603050405020304" pitchFamily="18" charset="0"/>
+                <a:latin typeface="Times New Roman" pitchFamily="18" charset="0"/>
+                <a:cs typeface="Times New Roman" pitchFamily="18" charset="0"/>
               </a:rPr>
-              <a:t>Desi traveler, </a:t>
-            </a:r>
-            <a:r>
-              <a:rPr lang="en-US" sz="2000" dirty="0" smtClean="0">
-                <a:latin typeface="Times New Roman" panose="02020603050405020304" pitchFamily="18" charset="0"/>
-                <a:cs typeface="Times New Roman" panose="02020603050405020304" pitchFamily="18" charset="0"/>
+              <a:t>creating an application for travel community.</a:t>
+            </a:r>
+            <a:endParaRPr lang="en-US" sz="2000" dirty="0">
+              <a:latin typeface="Times New Roman" pitchFamily="18" charset="0"/>
+              <a:cs typeface="Times New Roman" pitchFamily="18" charset="0"/>
+            </a:endParaRPr>
+          </a:p>
+          <a:p>
+            <a:pPr algn="just">
+              <a:buClr>
+                <a:schemeClr val="tx1"/>
+              </a:buClr>
+              <a:buSzPct val="100000"/>
+              <a:buFont typeface="Wingdings" panose="05000000000000000000" pitchFamily="2" charset="2"/>
+              <a:buChar char="v"/>
+            </a:pPr>
+            <a:r>
+              <a:rPr lang="en-US" sz="2000" dirty="0">
+                <a:latin typeface="Times New Roman" pitchFamily="18" charset="0"/>
+                <a:cs typeface="Times New Roman" pitchFamily="18" charset="0"/>
               </a:rPr>
-              <a:t>this travel blog is  just a page in  social media  like </a:t>
-            </a:r>
+              <a:t> And also adding additional feature like a timeline that who are willing to </a:t>
+            </a:r>
+          </a:p>
+          <a:p>
+            <a:pPr marL="0" indent="0" algn="just">
+              <a:buClr>
+                <a:schemeClr val="tx1"/>
+              </a:buClr>
+              <a:buSzPct val="100000"/>
+              <a:buNone/>
+            </a:pPr>
+            <a:r>
+              <a:rPr lang="en-US" sz="2000" dirty="0">
+                <a:latin typeface="Times New Roman" pitchFamily="18" charset="0"/>
+                <a:cs typeface="Times New Roman" pitchFamily="18" charset="0"/>
+              </a:rPr>
+              <a:t>      move  at a  same destination can join.</a:t>
+            </a:r>
+          </a:p>
+          <a:p>
+            <a:pPr algn="just">
+              <a:buClr>
+                <a:schemeClr val="tx1"/>
+              </a:buClr>
+              <a:buSzPct val="100000"/>
+              <a:buNone/>
+            </a:pPr>
+            <a:endParaRPr lang="en-US" sz="2000" dirty="0">
+              <a:latin typeface="Times New Roman" pitchFamily="18" charset="0"/>
+              <a:cs typeface="Times New Roman" pitchFamily="18" charset="0"/>
+            </a:endParaRPr>
+          </a:p>
+          <a:p>
+            <a:pPr marL="0" indent="0" algn="just">
+              <a:buClr>
+                <a:schemeClr val="tx1"/>
+              </a:buClr>
+              <a:buSzPct val="100000"/>
+              <a:buNone/>
+            </a:pPr>
+            <a:endParaRPr lang="en-US" sz="2000" dirty="0">
+              <a:latin typeface="Times New Roman" pitchFamily="18" charset="0"/>
+              <a:cs typeface="Times New Roman" pitchFamily="18" charset="0"/>
+            </a:endParaRPr>
+          </a:p>
+          <a:p>
+            <a:pPr algn="just">
+              <a:buClr>
+                <a:schemeClr val="tx1"/>
+              </a:buClr>
+              <a:buSzPct val="100000"/>
+              <a:buNone/>
+            </a:pPr>
+            <a:endParaRPr lang="en-US" sz="2000" dirty="0">
+              <a:latin typeface="Times New Roman" pitchFamily="18" charset="0"/>
+              <a:cs typeface="Times New Roman" pitchFamily="18" charset="0"/>
+            </a:endParaRPr>
+          </a:p>
+          <a:p>
+            <a:pPr algn="just">
+              <a:buClr>
+                <a:schemeClr val="tx1"/>
+              </a:buClr>
+              <a:buSzPct val="100000"/>
+              <a:buNone/>
+            </a:pPr>
+            <a:endParaRPr lang="en-US" sz="2000" dirty="0">
+              <a:latin typeface="Times New Roman" pitchFamily="18" charset="0"/>
+              <a:cs typeface="Times New Roman" pitchFamily="18" charset="0"/>
+            </a:endParaRPr>
+          </a:p>
+          <a:p>
+            <a:pPr algn="just">
+              <a:buClr>
+                <a:schemeClr val="tx1"/>
+              </a:buClr>
+              <a:buSzPct val="100000"/>
+              <a:buNone/>
+            </a:pPr>
+            <a:endParaRPr lang="en-US" sz="2000" dirty="0">
+              <a:latin typeface="Times New Roman" pitchFamily="18" charset="0"/>
+              <a:cs typeface="Times New Roman" pitchFamily="18" charset="0"/>
+            </a:endParaRPr>
           </a:p>
           <a:p>
             <a:pPr>
@@ -6677,100 +6709,7 @@
               <a:buSzPct val="100000"/>
               <a:buNone/>
             </a:pPr>
-            <a:r>
-              <a:rPr lang="en-US" sz="2000" dirty="0" smtClean="0">
-                <a:latin typeface="Times New Roman" panose="02020603050405020304" pitchFamily="18" charset="0"/>
-                <a:cs typeface="Times New Roman" panose="02020603050405020304" pitchFamily="18" charset="0"/>
-              </a:rPr>
-              <a:t> </a:t>
-            </a:r>
-            <a:r>
-              <a:rPr lang="en-US" sz="2000" dirty="0" smtClean="0">
-                <a:latin typeface="Times New Roman" panose="02020603050405020304" pitchFamily="18" charset="0"/>
-                <a:cs typeface="Times New Roman" panose="02020603050405020304" pitchFamily="18" charset="0"/>
-              </a:rPr>
-              <a:t>     face book </a:t>
-            </a:r>
-            <a:r>
-              <a:rPr lang="en-US" sz="2000" dirty="0" smtClean="0">
-                <a:latin typeface="Times New Roman" panose="02020603050405020304" pitchFamily="18" charset="0"/>
-                <a:cs typeface="Times New Roman" panose="02020603050405020304" pitchFamily="18" charset="0"/>
-              </a:rPr>
-              <a:t>, instagram , twitter and so on.</a:t>
-            </a:r>
-          </a:p>
-          <a:p>
-            <a:pPr>
-              <a:buClr>
-                <a:schemeClr val="tx1"/>
-              </a:buClr>
-              <a:buSzPct val="100000"/>
-              <a:buFont typeface="Wingdings" pitchFamily="2" charset="2"/>
-              <a:buChar char="v"/>
-            </a:pPr>
-            <a:r>
-              <a:rPr lang="en-US" sz="2000" dirty="0" smtClean="0">
-                <a:latin typeface="Times New Roman" panose="02020603050405020304" pitchFamily="18" charset="0"/>
-                <a:cs typeface="Times New Roman" panose="02020603050405020304" pitchFamily="18" charset="0"/>
-              </a:rPr>
-              <a:t>It is a family travel blog in  India , with stories about people, places,</a:t>
-            </a:r>
-          </a:p>
-          <a:p>
-            <a:pPr>
-              <a:buClr>
-                <a:schemeClr val="tx1"/>
-              </a:buClr>
-              <a:buSzPct val="100000"/>
-              <a:buNone/>
-            </a:pPr>
-            <a:r>
-              <a:rPr lang="en-US" sz="2000" dirty="0" smtClean="0">
-                <a:latin typeface="Times New Roman" panose="02020603050405020304" pitchFamily="18" charset="0"/>
-                <a:cs typeface="Times New Roman" panose="02020603050405020304" pitchFamily="18" charset="0"/>
-              </a:rPr>
-              <a:t>     forts, Holy temples, unholy god men.</a:t>
-            </a:r>
-          </a:p>
-          <a:p>
-            <a:pPr>
-              <a:buClr>
-                <a:schemeClr val="tx1"/>
-              </a:buClr>
-              <a:buSzPct val="100000"/>
-              <a:buNone/>
-            </a:pPr>
-            <a:endParaRPr lang="en-US" sz="2000" dirty="0" smtClean="0">
-              <a:latin typeface="Times New Roman" panose="02020603050405020304" pitchFamily="18" charset="0"/>
-              <a:cs typeface="Times New Roman" panose="02020603050405020304" pitchFamily="18" charset="0"/>
-            </a:endParaRPr>
-          </a:p>
-          <a:p>
-            <a:pPr marL="457200" indent="-457200">
-              <a:buClr>
-                <a:schemeClr val="tx1"/>
-              </a:buClr>
-              <a:buSzPct val="100000"/>
-              <a:buFont typeface="Wingdings" pitchFamily="2" charset="2"/>
-              <a:buChar char="v"/>
-            </a:pPr>
-            <a:endParaRPr lang="en-US" sz="2000" dirty="0" smtClean="0">
-              <a:latin typeface="Times New Roman" panose="02020603050405020304" pitchFamily="18" charset="0"/>
-              <a:cs typeface="Times New Roman" panose="02020603050405020304" pitchFamily="18" charset="0"/>
-            </a:endParaRPr>
-          </a:p>
-          <a:p>
-            <a:pPr>
-              <a:buClr>
-                <a:schemeClr val="tx1"/>
-              </a:buClr>
-              <a:buSzPct val="100000"/>
-              <a:buNone/>
-            </a:pPr>
-            <a:endParaRPr lang="en-US" sz="2000" dirty="0">
-              <a:latin typeface="Times New Roman" panose="02020603050405020304" pitchFamily="18" charset="0"/>
-              <a:cs typeface="Times New Roman" panose="02020603050405020304" pitchFamily="18" charset="0"/>
-            </a:endParaRPr>
+            <a:endParaRPr lang="en-US" dirty="0"/>
           </a:p>
         </p:txBody>
       </p:sp>
@@ -6795,309 +6734,6 @@
 </file>
 
 <file path=ppt/slides/slide6.xml><?xml version="1.0" encoding="utf-8"?>
-<p:sld xmlns:a="http://schemas.openxmlformats.org/drawingml/2006/main" xmlns:r="http://schemas.openxmlformats.org/officeDocument/2006/relationships" xmlns:p="http://schemas.openxmlformats.org/presentationml/2006/main">
-  <p:cSld>
-    <p:spTree>
-      <p:nvGrpSpPr>
-        <p:cNvPr id="1" name=""/>
-        <p:cNvGrpSpPr/>
-        <p:nvPr/>
-      </p:nvGrpSpPr>
-      <p:grpSpPr>
-        <a:xfrm>
-          <a:off x="0" y="0"/>
-          <a:ext cx="0" cy="0"/>
-          <a:chOff x="0" y="0"/>
-          <a:chExt cx="0" cy="0"/>
-        </a:xfrm>
-      </p:grpSpPr>
-      <p:sp>
-        <p:nvSpPr>
-          <p:cNvPr id="2" name="Title 1"/>
-          <p:cNvSpPr>
-            <a:spLocks noGrp="1"/>
-          </p:cNvSpPr>
-          <p:nvPr>
-            <p:ph type="title"/>
-          </p:nvPr>
-        </p:nvSpPr>
-        <p:spPr/>
-        <p:txBody>
-          <a:bodyPr/>
-          <a:lstStyle/>
-          <a:p>
-            <a:r>
-              <a:rPr lang="en-US" dirty="0"/>
-              <a:t>                Proposed </a:t>
-            </a:r>
-            <a:r>
-              <a:rPr lang="en-US" dirty="0" smtClean="0"/>
-              <a:t>System</a:t>
-            </a:r>
-            <a:endParaRPr lang="en-US" dirty="0"/>
-          </a:p>
-        </p:txBody>
-      </p:sp>
-      <p:sp>
-        <p:nvSpPr>
-          <p:cNvPr id="3" name="Content Placeholder 2"/>
-          <p:cNvSpPr>
-            <a:spLocks noGrp="1"/>
-          </p:cNvSpPr>
-          <p:nvPr>
-            <p:ph idx="1"/>
-          </p:nvPr>
-        </p:nvSpPr>
-        <p:spPr/>
-        <p:txBody>
-          <a:bodyPr/>
-          <a:lstStyle/>
-          <a:p>
-            <a:pPr algn="just">
-              <a:buClr>
-                <a:schemeClr val="tx1"/>
-              </a:buClr>
-              <a:buSzPct val="100000"/>
-              <a:buFont typeface="Wingdings" pitchFamily="2" charset="2"/>
-              <a:buChar char="v"/>
-            </a:pPr>
-            <a:r>
-              <a:rPr lang="en-US" sz="2000" dirty="0">
-                <a:latin typeface="Times New Roman" pitchFamily="18" charset="0"/>
-                <a:cs typeface="Times New Roman" pitchFamily="18" charset="0"/>
-              </a:rPr>
-              <a:t>The  application  is  designed  for  the travelers  to find  other travelers</a:t>
-            </a:r>
-          </a:p>
-          <a:p>
-            <a:pPr algn="just">
-              <a:buClr>
-                <a:schemeClr val="tx1"/>
-              </a:buClr>
-              <a:buSzPct val="100000"/>
-              <a:buNone/>
-            </a:pPr>
-            <a:r>
-              <a:rPr lang="en-US" sz="2000" dirty="0">
-                <a:latin typeface="Times New Roman" pitchFamily="18" charset="0"/>
-                <a:cs typeface="Times New Roman" pitchFamily="18" charset="0"/>
-              </a:rPr>
-              <a:t>      who  are  willing  to  travel  to the same  destinations. </a:t>
-            </a:r>
-          </a:p>
-          <a:p>
-            <a:pPr algn="just">
-              <a:buClr>
-                <a:schemeClr val="tx1"/>
-              </a:buClr>
-              <a:buSzPct val="100000"/>
-              <a:buFont typeface="Wingdings" pitchFamily="2" charset="2"/>
-              <a:buChar char="v"/>
-            </a:pPr>
-            <a:r>
-              <a:rPr lang="en-US" sz="2000" dirty="0">
-                <a:latin typeface="Times New Roman" pitchFamily="18" charset="0"/>
-                <a:cs typeface="Times New Roman" pitchFamily="18" charset="0"/>
-              </a:rPr>
-              <a:t>The  application  acts as a platform where the interested group of travelers</a:t>
-            </a:r>
-          </a:p>
-          <a:p>
-            <a:pPr algn="just">
-              <a:buClr>
-                <a:schemeClr val="tx1"/>
-              </a:buClr>
-              <a:buSzPct val="100000"/>
-              <a:buNone/>
-            </a:pPr>
-            <a:r>
-              <a:rPr lang="en-US" sz="2000" dirty="0">
-                <a:latin typeface="Times New Roman" pitchFamily="18" charset="0"/>
-                <a:cs typeface="Times New Roman" pitchFamily="18" charset="0"/>
-              </a:rPr>
-              <a:t>      can communicate and coordinate while planning the trip and also during</a:t>
-            </a:r>
-          </a:p>
-          <a:p>
-            <a:pPr algn="just">
-              <a:buClr>
-                <a:schemeClr val="tx1"/>
-              </a:buClr>
-              <a:buSzPct val="100000"/>
-              <a:buNone/>
-            </a:pPr>
-            <a:r>
-              <a:rPr lang="en-US" sz="2000" dirty="0">
-                <a:latin typeface="Times New Roman" pitchFamily="18" charset="0"/>
-                <a:cs typeface="Times New Roman" pitchFamily="18" charset="0"/>
-              </a:rPr>
-              <a:t>      the trip.</a:t>
-            </a:r>
-          </a:p>
-          <a:p>
-            <a:pPr algn="just">
-              <a:buClr>
-                <a:schemeClr val="tx1"/>
-              </a:buClr>
-              <a:buSzPct val="100000"/>
-              <a:buFont typeface="Wingdings" panose="05000000000000000000" pitchFamily="2" charset="2"/>
-              <a:buChar char="v"/>
-            </a:pPr>
-            <a:r>
-              <a:rPr lang="en-US" sz="2000" dirty="0">
-                <a:latin typeface="Times New Roman" pitchFamily="18" charset="0"/>
-                <a:cs typeface="Times New Roman" pitchFamily="18" charset="0"/>
-              </a:rPr>
-              <a:t>Based on existing system we are adding other features like creating a login </a:t>
-            </a:r>
-          </a:p>
-          <a:p>
-            <a:pPr marL="0" indent="0" algn="just">
-              <a:buClr>
-                <a:schemeClr val="tx1"/>
-              </a:buClr>
-              <a:buSzPct val="100000"/>
-              <a:buNone/>
-            </a:pPr>
-            <a:r>
-              <a:rPr lang="en-US" sz="2000" dirty="0">
-                <a:latin typeface="Times New Roman" pitchFamily="18" charset="0"/>
-                <a:cs typeface="Times New Roman" pitchFamily="18" charset="0"/>
-              </a:rPr>
-              <a:t>      Page, like &amp; share buttons.</a:t>
-            </a:r>
-          </a:p>
-          <a:p>
-            <a:pPr algn="just">
-              <a:buClr>
-                <a:schemeClr val="tx1"/>
-              </a:buClr>
-              <a:buSzPct val="100000"/>
-              <a:buFont typeface="Wingdings" panose="05000000000000000000" pitchFamily="2" charset="2"/>
-              <a:buChar char="v"/>
-            </a:pPr>
-            <a:r>
-              <a:rPr lang="en-US" sz="2000" dirty="0">
-                <a:latin typeface="Times New Roman" pitchFamily="18" charset="0"/>
-                <a:cs typeface="Times New Roman" pitchFamily="18" charset="0"/>
-              </a:rPr>
-              <a:t> And also adding additional feature like a timeline that who are willing to </a:t>
-            </a:r>
-          </a:p>
-          <a:p>
-            <a:pPr marL="0" indent="0" algn="just">
-              <a:buClr>
-                <a:schemeClr val="tx1"/>
-              </a:buClr>
-              <a:buSzPct val="100000"/>
-              <a:buNone/>
-            </a:pPr>
-            <a:r>
-              <a:rPr lang="en-US" sz="2000" dirty="0">
-                <a:latin typeface="Times New Roman" pitchFamily="18" charset="0"/>
-                <a:cs typeface="Times New Roman" pitchFamily="18" charset="0"/>
-              </a:rPr>
-              <a:t>      move  at a  same destination can join.</a:t>
-            </a:r>
-          </a:p>
-          <a:p>
-            <a:pPr algn="just">
-              <a:buClr>
-                <a:schemeClr val="tx1"/>
-              </a:buClr>
-              <a:buSzPct val="100000"/>
-              <a:buNone/>
-            </a:pPr>
-            <a:endParaRPr lang="en-US" sz="2000" dirty="0">
-              <a:latin typeface="Times New Roman" pitchFamily="18" charset="0"/>
-              <a:cs typeface="Times New Roman" pitchFamily="18" charset="0"/>
-            </a:endParaRPr>
-          </a:p>
-          <a:p>
-            <a:pPr marL="0" indent="0" algn="just">
-              <a:buClr>
-                <a:schemeClr val="tx1"/>
-              </a:buClr>
-              <a:buSzPct val="100000"/>
-              <a:buNone/>
-            </a:pPr>
-            <a:endParaRPr lang="en-US" sz="2000" dirty="0">
-              <a:latin typeface="Times New Roman" pitchFamily="18" charset="0"/>
-              <a:cs typeface="Times New Roman" pitchFamily="18" charset="0"/>
-            </a:endParaRPr>
-          </a:p>
-          <a:p>
-            <a:pPr algn="just">
-              <a:buClr>
-                <a:schemeClr val="tx1"/>
-              </a:buClr>
-              <a:buSzPct val="100000"/>
-              <a:buNone/>
-            </a:pPr>
-            <a:endParaRPr lang="en-US" sz="2000" dirty="0">
-              <a:latin typeface="Times New Roman" pitchFamily="18" charset="0"/>
-              <a:cs typeface="Times New Roman" pitchFamily="18" charset="0"/>
-            </a:endParaRPr>
-          </a:p>
-          <a:p>
-            <a:pPr algn="just">
-              <a:buClr>
-                <a:schemeClr val="tx1"/>
-              </a:buClr>
-              <a:buSzPct val="100000"/>
-              <a:buNone/>
-            </a:pPr>
-            <a:endParaRPr lang="en-US" sz="2000" dirty="0">
-              <a:latin typeface="Times New Roman" pitchFamily="18" charset="0"/>
-              <a:cs typeface="Times New Roman" pitchFamily="18" charset="0"/>
-            </a:endParaRPr>
-          </a:p>
-          <a:p>
-            <a:pPr algn="just">
-              <a:buClr>
-                <a:schemeClr val="tx1"/>
-              </a:buClr>
-              <a:buSzPct val="100000"/>
-              <a:buNone/>
-            </a:pPr>
-            <a:endParaRPr lang="en-US" sz="2000" dirty="0">
-              <a:latin typeface="Times New Roman" pitchFamily="18" charset="0"/>
-              <a:cs typeface="Times New Roman" pitchFamily="18" charset="0"/>
-            </a:endParaRPr>
-          </a:p>
-          <a:p>
-            <a:pPr>
-              <a:buClr>
-                <a:schemeClr val="tx1"/>
-              </a:buClr>
-              <a:buSzPct val="100000"/>
-              <a:buNone/>
-            </a:pPr>
-            <a:endParaRPr lang="en-US" dirty="0"/>
-          </a:p>
-        </p:txBody>
-      </p:sp>
-    </p:spTree>
-  </p:cSld>
-  <p:clrMapOvr>
-    <a:masterClrMapping/>
-  </p:clrMapOvr>
-  <mc:AlternateContent xmlns:mc="http://schemas.openxmlformats.org/markup-compatibility/2006">
-    <mc:Choice xmlns="" xmlns:p14="http://schemas.microsoft.com/office/powerpoint/2010/main" Requires="p14">
-      <p:transition spd="slow" p14:dur="1600">
-        <p14:gallery dir="l"/>
-      </p:transition>
-    </mc:Choice>
-    <mc:Fallback>
-      <p:transition spd="slow">
-        <p:fade/>
-      </p:transition>
-    </mc:Fallback>
-  </mc:AlternateContent>
-</p:sld>
-</file>
-
-<file path=ppt/slides/slide7.xml><?xml version="1.0" encoding="utf-8"?>
 <p:sld xmlns:a="http://schemas.openxmlformats.org/drawingml/2006/main" xmlns:r="http://schemas.openxmlformats.org/officeDocument/2006/relationships" xmlns:p="http://schemas.openxmlformats.org/presentationml/2006/main">
   <p:cSld>
     <p:spTree>
@@ -7285,20 +6921,8 @@
                         <a:defRPr/>
                       </a:pPr>
                       <a:r>
-                        <a:rPr lang="en-US" sz="1800" smtClean="0"/>
-                        <a:t> </a:t>
-                      </a:r>
-                      <a:r>
                         <a:rPr lang="en-US" sz="1800" dirty="0" smtClean="0"/>
-                        <a:t>C</a:t>
-                      </a:r>
-                      <a:r>
-                        <a:rPr lang="en-US" sz="1800" smtClean="0"/>
-                        <a:t>ollection  </a:t>
-                      </a:r>
-                      <a:r>
-                        <a:rPr lang="en-US" sz="1800" dirty="0" smtClean="0"/>
-                        <a:t>of  database.</a:t>
+                        <a:t> Collection  of  database.</a:t>
                       </a:r>
                       <a:endParaRPr lang="en-US" sz="1800" dirty="0" smtClean="0">
                         <a:latin typeface="Times New Roman" pitchFamily="18" charset="0"/>
@@ -7500,6 +7124,116 @@
 </p:sld>
 </file>
 
+<file path=ppt/slides/slide7.xml><?xml version="1.0" encoding="utf-8"?>
+<p:sld xmlns:a="http://schemas.openxmlformats.org/drawingml/2006/main" xmlns:r="http://schemas.openxmlformats.org/officeDocument/2006/relationships" xmlns:p="http://schemas.openxmlformats.org/presentationml/2006/main">
+  <p:cSld>
+    <p:spTree>
+      <p:nvGrpSpPr>
+        <p:cNvPr id="1" name=""/>
+        <p:cNvGrpSpPr/>
+        <p:nvPr/>
+      </p:nvGrpSpPr>
+      <p:grpSpPr>
+        <a:xfrm>
+          <a:off x="0" y="0"/>
+          <a:ext cx="0" cy="0"/>
+          <a:chOff x="0" y="0"/>
+          <a:chExt cx="0" cy="0"/>
+        </a:xfrm>
+      </p:grpSpPr>
+      <p:sp>
+        <p:nvSpPr>
+          <p:cNvPr id="2" name="Title 1"/>
+          <p:cNvSpPr>
+            <a:spLocks noGrp="1"/>
+          </p:cNvSpPr>
+          <p:nvPr>
+            <p:ph type="title"/>
+          </p:nvPr>
+        </p:nvSpPr>
+        <p:spPr/>
+        <p:txBody>
+          <a:bodyPr/>
+          <a:lstStyle/>
+          <a:p>
+            <a:r>
+              <a:rPr lang="en-US" dirty="0"/>
+              <a:t>                  Literature Survey</a:t>
+            </a:r>
+          </a:p>
+        </p:txBody>
+      </p:sp>
+      <p:sp>
+        <p:nvSpPr>
+          <p:cNvPr id="3" name="Content Placeholder 2"/>
+          <p:cNvSpPr>
+            <a:spLocks noGrp="1"/>
+          </p:cNvSpPr>
+          <p:nvPr>
+            <p:ph idx="1"/>
+          </p:nvPr>
+        </p:nvSpPr>
+        <p:spPr>
+          <a:xfrm>
+            <a:off x="457200" y="1524000"/>
+            <a:ext cx="8229600" cy="4530725"/>
+          </a:xfrm>
+        </p:spPr>
+        <p:txBody>
+          <a:bodyPr/>
+          <a:lstStyle/>
+          <a:p>
+            <a:pPr>
+              <a:buNone/>
+            </a:pPr>
+            <a:endParaRPr lang="en-US" dirty="0"/>
+          </a:p>
+          <a:p>
+            <a:pPr>
+              <a:buNone/>
+            </a:pPr>
+            <a:r>
+              <a:rPr lang="en-US" sz="2000" dirty="0">
+                <a:latin typeface="Times New Roman" pitchFamily="18" charset="0"/>
+                <a:cs typeface="Times New Roman" pitchFamily="18" charset="0"/>
+              </a:rPr>
+              <a:t>Title      : A  Web-Based  Diary  and  Companion  Smartphone  app  for         Travel</a:t>
+            </a:r>
+          </a:p>
+          <a:p>
+            <a:pPr>
+              <a:buNone/>
+            </a:pPr>
+            <a:r>
+              <a:rPr lang="en-US" sz="2000" dirty="0">
+                <a:latin typeface="Times New Roman" pitchFamily="18" charset="0"/>
+                <a:cs typeface="Times New Roman" pitchFamily="18" charset="0"/>
+              </a:rPr>
+              <a:t>Authors : Stephen Greavesa , Adrian Ellisona , Richard Ellisona , Dean Rancea , Chris Standena </a:t>
+            </a:r>
+          </a:p>
+        </p:txBody>
+      </p:sp>
+    </p:spTree>
+  </p:cSld>
+  <p:clrMapOvr>
+    <a:masterClrMapping/>
+  </p:clrMapOvr>
+  <mc:AlternateContent xmlns:mc="http://schemas.openxmlformats.org/markup-compatibility/2006">
+    <mc:Choice xmlns="" xmlns:p14="http://schemas.microsoft.com/office/powerpoint/2010/main" Requires="p14">
+      <p:transition spd="slow" p14:dur="1600">
+        <p14:gallery dir="l"/>
+      </p:transition>
+    </mc:Choice>
+    <mc:Fallback>
+      <p:transition spd="slow">
+        <p:fade/>
+      </p:transition>
+    </mc:Fallback>
+  </mc:AlternateContent>
+</p:sld>
+</file>
+
 <file path=ppt/slides/slide8.xml><?xml version="1.0" encoding="utf-8"?>
 <p:sld xmlns:a="http://schemas.openxmlformats.org/drawingml/2006/main" xmlns:r="http://schemas.openxmlformats.org/officeDocument/2006/relationships" xmlns:p="http://schemas.openxmlformats.org/presentationml/2006/main">
   <p:cSld>
@@ -7534,7 +7268,7 @@
           <a:p>
             <a:r>
               <a:rPr lang="en-US" dirty="0"/>
-              <a:t>                  Literature Survey</a:t>
+              <a:t>                      References</a:t>
             </a:r>
           </a:p>
         </p:txBody>
@@ -7549,44 +7283,56 @@
             <p:ph idx="1"/>
           </p:nvPr>
         </p:nvSpPr>
-        <p:spPr>
-          <a:xfrm>
-            <a:off x="457200" y="1524000"/>
-            <a:ext cx="8229600" cy="4530725"/>
-          </a:xfrm>
-        </p:spPr>
+        <p:spPr/>
         <p:txBody>
           <a:bodyPr/>
           <a:lstStyle/>
           <a:p>
             <a:pPr>
-              <a:buNone/>
-            </a:pPr>
-            <a:endParaRPr lang="en-US" dirty="0"/>
-          </a:p>
-          <a:p>
-            <a:pPr>
-              <a:buNone/>
+              <a:buClr>
+                <a:schemeClr val="tx1"/>
+              </a:buClr>
+              <a:buSzPct val="100000"/>
+              <a:buFont typeface="Wingdings" pitchFamily="2" charset="2"/>
+              <a:buChar char="v"/>
             </a:pPr>
             <a:r>
               <a:rPr lang="en-US" sz="2000" dirty="0">
                 <a:latin typeface="Times New Roman" pitchFamily="18" charset="0"/>
                 <a:cs typeface="Times New Roman" pitchFamily="18" charset="0"/>
               </a:rPr>
-              <a:t>Title      : A  Web-Based  Diary  and  Companion  Smartphone  app  for         Travel</a:t>
+              <a:t>Abdulazim, T., Abdelgawad, H.,  Habib, K. M. N. and  Abdulhai, B. (2013). Using   Smartphones  and  Sensor   Technologies  to Automate the Collection  of  Travel  Data,  in  Annual  Meeting  of  the   Transportation Research Board.  Washington, D.C.</a:t>
             </a:r>
           </a:p>
           <a:p>
             <a:pPr>
+              <a:buClr>
+                <a:schemeClr val="tx1"/>
+              </a:buClr>
+              <a:buSzPct val="100000"/>
+              <a:buFont typeface="Wingdings" pitchFamily="2" charset="2"/>
+              <a:buChar char="v"/>
+            </a:pPr>
+            <a:r>
+              <a:rPr lang="en-US" sz="2000" dirty="0">
+                <a:hlinkClick r:id="rId2"/>
+              </a:rPr>
+              <a:t>https://core.ac.uk/download/pdf/82810164.pdf</a:t>
+            </a:r>
+            <a:endParaRPr lang="en-US" sz="2000" dirty="0"/>
+          </a:p>
+          <a:p>
+            <a:pPr>
+              <a:buClr>
+                <a:schemeClr val="tx1"/>
+              </a:buClr>
+              <a:buSzPct val="100000"/>
               <a:buNone/>
             </a:pPr>
-            <a:r>
-              <a:rPr lang="en-US" sz="2000" dirty="0">
-                <a:latin typeface="Times New Roman" pitchFamily="18" charset="0"/>
-                <a:cs typeface="Times New Roman" pitchFamily="18" charset="0"/>
-              </a:rPr>
-              <a:t>Authors : Stephen Greavesa , Adrian Ellisona , Richard Ellisona , Dean Rancea , Chris Standena </a:t>
-            </a:r>
+            <a:endParaRPr lang="en-US" sz="2000" dirty="0">
+              <a:latin typeface="Times New Roman" pitchFamily="18" charset="0"/>
+              <a:cs typeface="Times New Roman" pitchFamily="18" charset="0"/>
+            </a:endParaRPr>
           </a:p>
         </p:txBody>
       </p:sp>
@@ -7629,7 +7375,7 @@
       </p:grpSpPr>
       <p:sp>
         <p:nvSpPr>
-          <p:cNvPr id="2" name="Title 1"/>
+          <p:cNvPr id="4" name="Title 3"/>
           <p:cNvSpPr>
             <a:spLocks noGrp="1"/>
           </p:cNvSpPr>
@@ -7637,77 +7383,216 @@
             <p:ph type="title"/>
           </p:nvPr>
         </p:nvSpPr>
-        <p:spPr/>
+        <p:spPr>
+          <a:xfrm>
+            <a:off x="722313" y="4406900"/>
+            <a:ext cx="7772400" cy="774700"/>
+          </a:xfrm>
+        </p:spPr>
         <p:txBody>
           <a:bodyPr/>
           <a:lstStyle/>
           <a:p>
-            <a:r>
-              <a:rPr lang="en-US" dirty="0"/>
-              <a:t>                      References</a:t>
-            </a:r>
-          </a:p>
-        </p:txBody>
-      </p:sp>
-      <p:sp>
-        <p:nvSpPr>
-          <p:cNvPr id="3" name="Content Placeholder 2"/>
+            <a:pPr algn="ctr" eaLnBrk="1" hangingPunct="1">
+              <a:defRPr/>
+            </a:pPr>
+            <a:r>
+              <a:rPr lang="en-US" dirty="0">
+                <a:effectLst>
+                  <a:outerShdw blurRad="38100" dist="38100" dir="2700000" algn="tl">
+                    <a:srgbClr val="000000">
+                      <a:alpha val="43137"/>
+                    </a:srgbClr>
+                  </a:outerShdw>
+                </a:effectLst>
+              </a:rPr>
+              <a:t>  Thank you</a:t>
+            </a:r>
+          </a:p>
+        </p:txBody>
+      </p:sp>
+      <p:sp>
+        <p:nvSpPr>
+          <p:cNvPr id="11267" name="Text Placeholder 4"/>
           <p:cNvSpPr>
             <a:spLocks noGrp="1"/>
           </p:cNvSpPr>
           <p:nvPr>
-            <p:ph idx="1"/>
-          </p:nvPr>
-        </p:nvSpPr>
-        <p:spPr/>
+            <p:ph type="body" idx="1"/>
+          </p:nvPr>
+        </p:nvSpPr>
+        <p:spPr>
+          <a:xfrm>
+            <a:off x="685800" y="609600"/>
+            <a:ext cx="7772400" cy="1500188"/>
+          </a:xfrm>
+        </p:spPr>
         <p:txBody>
           <a:bodyPr/>
           <a:lstStyle/>
           <a:p>
-            <a:pPr>
-              <a:buClr>
-                <a:schemeClr val="tx1"/>
-              </a:buClr>
-              <a:buSzPct val="100000"/>
-              <a:buFont typeface="Wingdings" pitchFamily="2" charset="2"/>
-              <a:buChar char="v"/>
-            </a:pPr>
-            <a:r>
-              <a:rPr lang="en-US" sz="2000" dirty="0">
-                <a:latin typeface="Times New Roman" pitchFamily="18" charset="0"/>
-                <a:cs typeface="Times New Roman" pitchFamily="18" charset="0"/>
+            <a:pPr algn="ctr" eaLnBrk="1" hangingPunct="1"/>
+            <a:r>
+              <a:rPr lang="en-US" sz="5400" dirty="0">
+                <a:effectLst>
+                  <a:outerShdw blurRad="38100" dist="38100" dir="2700000" algn="tl">
+                    <a:srgbClr val="000000">
+                      <a:alpha val="43137"/>
+                    </a:srgbClr>
+                  </a:outerShdw>
+                </a:effectLst>
               </a:rPr>
-              <a:t>Abdulazim, T., Abdelgawad, H.,  Habib, K. M. N. and  Abdulhai, B. (2013). Using   Smartphones  and  Sensor   Technologies  to Automate the Collection  of  Travel  Data,  in  Annual  Meeting  of  the   Transportation Research Board.  Washington, D.C.</a:t>
-            </a:r>
-          </a:p>
-          <a:p>
-            <a:pPr>
-              <a:buClr>
-                <a:schemeClr val="tx1"/>
-              </a:buClr>
-              <a:buSzPct val="100000"/>
-              <a:buFont typeface="Wingdings" pitchFamily="2" charset="2"/>
-              <a:buChar char="v"/>
-            </a:pPr>
-            <a:r>
-              <a:rPr lang="en-US" sz="2000" dirty="0">
-                <a:hlinkClick r:id="rId2"/>
+              <a:t> Queries</a:t>
+            </a:r>
+          </a:p>
+        </p:txBody>
+      </p:sp>
+      <p:sp>
+        <p:nvSpPr>
+          <p:cNvPr id="6" name="Rectangle 5"/>
+          <p:cNvSpPr/>
+          <p:nvPr/>
+        </p:nvSpPr>
+        <p:spPr>
+          <a:xfrm>
+            <a:off x="3886200" y="2362200"/>
+            <a:ext cx="1676400" cy="1862048"/>
+          </a:xfrm>
+          <a:prstGeom prst="rect">
+            <a:avLst/>
+          </a:prstGeom>
+          <a:solidFill>
+            <a:schemeClr val="accent3"/>
+          </a:solidFill>
+          <a:ln>
+            <a:solidFill>
+              <a:schemeClr val="tx1"/>
+            </a:solidFill>
+          </a:ln>
+          <a:effectLst/>
+          <a:scene3d>
+            <a:camera prst="orthographicFront"/>
+            <a:lightRig rig="threePt" dir="t"/>
+          </a:scene3d>
+          <a:sp3d>
+            <a:bevelT w="114300" prst="hardEdge"/>
+          </a:sp3d>
+        </p:spPr>
+        <p:txBody>
+          <a:bodyPr>
+            <a:spAutoFit/>
+          </a:bodyPr>
+          <a:lstStyle/>
+          <a:p>
+            <a:pPr algn="ctr" fontAlgn="auto">
+              <a:spcBef>
+                <a:spcPts val="0"/>
+              </a:spcBef>
+              <a:spcAft>
+                <a:spcPts val="0"/>
+              </a:spcAft>
+              <a:defRPr/>
+            </a:pPr>
+            <a:r>
+              <a:rPr lang="en-US" sz="11500" b="1" cap="all" dirty="0">
+                <a:ln w="9000" cmpd="sng">
+                  <a:solidFill>
+                    <a:schemeClr val="accent4">
+                      <a:shade val="50000"/>
+                      <a:satMod val="120000"/>
+                    </a:schemeClr>
+                  </a:solidFill>
+                  <a:prstDash val="solid"/>
+                </a:ln>
+                <a:gradFill>
+                  <a:gsLst>
+                    <a:gs pos="0">
+                      <a:schemeClr val="accent4">
+                        <a:shade val="20000"/>
+                        <a:satMod val="245000"/>
+                      </a:schemeClr>
+                    </a:gs>
+                    <a:gs pos="43000">
+                      <a:schemeClr val="accent4">
+                        <a:satMod val="255000"/>
+                      </a:schemeClr>
+                    </a:gs>
+                    <a:gs pos="48000">
+                      <a:schemeClr val="accent4">
+                        <a:shade val="85000"/>
+                        <a:satMod val="255000"/>
+                      </a:schemeClr>
+                    </a:gs>
+                    <a:gs pos="100000">
+                      <a:schemeClr val="accent4">
+                        <a:shade val="20000"/>
+                        <a:satMod val="245000"/>
+                      </a:schemeClr>
+                    </a:gs>
+                  </a:gsLst>
+                  <a:lin ang="5400000"/>
+                </a:gradFill>
+                <a:effectLst>
+                  <a:outerShdw blurRad="38100" dist="38100" dir="2700000" algn="tl">
+                    <a:srgbClr val="000000">
+                      <a:alpha val="43137"/>
+                    </a:srgbClr>
+                  </a:outerShdw>
+                  <a:reflection blurRad="12700" stA="28000" endPos="45000" dist="1000" dir="5400000" sy="-100000" algn="bl" rotWithShape="0"/>
+                </a:effectLst>
+                <a:latin typeface="+mn-lt"/>
+                <a:cs typeface="+mn-cs"/>
               </a:rPr>
-              <a:t>https://core.ac.uk/download/pdf/82810164.pdf</a:t>
-            </a:r>
-            <a:endParaRPr lang="en-US" sz="2000" dirty="0"/>
-          </a:p>
-          <a:p>
-            <a:pPr>
-              <a:buClr>
-                <a:schemeClr val="tx1"/>
-              </a:buClr>
-              <a:buSzPct val="100000"/>
-              <a:buNone/>
-            </a:pPr>
-            <a:endParaRPr lang="en-US" sz="2000" dirty="0">
-              <a:latin typeface="Times New Roman" pitchFamily="18" charset="0"/>
-              <a:cs typeface="Times New Roman" pitchFamily="18" charset="0"/>
+              <a:t>?</a:t>
+            </a:r>
+            <a:endParaRPr lang="en-US" sz="11500" b="1" cap="all" dirty="0">
+              <a:ln w="9000" cmpd="sng">
+                <a:solidFill>
+                  <a:schemeClr val="accent4">
+                    <a:shade val="50000"/>
+                    <a:satMod val="120000"/>
+                  </a:schemeClr>
+                </a:solidFill>
+                <a:prstDash val="solid"/>
+              </a:ln>
+              <a:gradFill>
+                <a:gsLst>
+                  <a:gs pos="0">
+                    <a:schemeClr val="accent4">
+                      <a:shade val="20000"/>
+                      <a:satMod val="245000"/>
+                    </a:schemeClr>
+                  </a:gs>
+                  <a:gs pos="43000">
+                    <a:schemeClr val="accent4">
+                      <a:satMod val="255000"/>
+                    </a:schemeClr>
+                  </a:gs>
+                  <a:gs pos="48000">
+                    <a:schemeClr val="accent4">
+                      <a:shade val="85000"/>
+                      <a:satMod val="255000"/>
+                    </a:schemeClr>
+                  </a:gs>
+                  <a:gs pos="100000">
+                    <a:schemeClr val="accent4">
+                      <a:shade val="20000"/>
+                      <a:satMod val="245000"/>
+                    </a:schemeClr>
+                  </a:gs>
+                </a:gsLst>
+                <a:lin ang="5400000"/>
+              </a:gradFill>
+              <a:effectLst>
+                <a:outerShdw blurRad="38100" dist="38100" dir="2700000" algn="tl">
+                  <a:srgbClr val="000000">
+                    <a:alpha val="43137"/>
+                  </a:srgbClr>
+                </a:outerShdw>
+                <a:reflection blurRad="12700" stA="28000" endPos="45000" dist="1000" dir="5400000" sy="-100000" algn="bl" rotWithShape="0"/>
+              </a:effectLst>
+              <a:latin typeface="Jokerman" pitchFamily="82" charset="0"/>
+              <a:cs typeface="+mn-cs"/>
             </a:endParaRPr>
           </a:p>
         </p:txBody>
@@ -7719,12 +7604,12 @@
   </p:clrMapOvr>
   <mc:AlternateContent xmlns:mc="http://schemas.openxmlformats.org/markup-compatibility/2006">
     <mc:Choice xmlns="" xmlns:p14="http://schemas.microsoft.com/office/powerpoint/2010/main" Requires="p14">
-      <p:transition spd="slow" p14:dur="1600">
+      <p:transition spd="med">
         <p14:gallery dir="l"/>
       </p:transition>
     </mc:Choice>
     <mc:Fallback>
-      <p:transition spd="slow">
+      <p:transition spd="med">
         <p:fade/>
       </p:transition>
     </mc:Fallback>
